--- a/수학/Discontinous Galerkin.pptx
+++ b/수학/Discontinous Galerkin.pptx
@@ -277,7 +277,7 @@
           <a:p>
             <a:fld id="{0CBBE6A7-545D-40BF-A918-3FBA66BD265D}" type="datetimeFigureOut">
               <a:rPr lang="ko-KR" altLang="en-US" smtClean="0"/>
-              <a:t>2021-05-06</a:t>
+              <a:t>2022-06-08</a:t>
             </a:fld>
             <a:endParaRPr lang="ko-KR" altLang="en-US"/>
           </a:p>
@@ -442,7 +442,7 @@
           <a:p>
             <a:fld id="{4FBCCA7F-94D5-4DEF-8781-C03B6E75A8D5}" type="datetimeFigureOut">
               <a:rPr lang="ko-KR" altLang="en-US" smtClean="0"/>
-              <a:t>2021-05-06</a:t>
+              <a:t>2022-06-08</a:t>
             </a:fld>
             <a:endParaRPr lang="ko-KR" altLang="en-US" dirty="0"/>
           </a:p>
@@ -4079,7 +4079,7 @@
           <p:cNvPr id="2" name="슬라이드 번호 개체 틀 1">
             <a:extLst>
               <a:ext uri="{FF2B5EF4-FFF2-40B4-BE49-F238E27FC236}">
-                <a16:creationId xmlns:a16="http://schemas.microsoft.com/office/drawing/2014/main" id="{CA118270-264C-4CF6-9AE4-0C94D4CA3725}"/>
+                <a16:creationId xmlns:a16="http://schemas.microsoft.com/office/drawing/2014/main" xmlns="" id="{CA118270-264C-4CF6-9AE4-0C94D4CA3725}"/>
               </a:ext>
             </a:extLst>
           </p:cNvPr>
@@ -4126,7 +4126,7 @@
           <p:cNvPr id="3" name="제목 2">
             <a:extLst>
               <a:ext uri="{FF2B5EF4-FFF2-40B4-BE49-F238E27FC236}">
-                <a16:creationId xmlns:a16="http://schemas.microsoft.com/office/drawing/2014/main" id="{128A66C7-57D5-412A-880A-D64812B58076}"/>
+                <a16:creationId xmlns:a16="http://schemas.microsoft.com/office/drawing/2014/main" xmlns="" id="{128A66C7-57D5-412A-880A-D64812B58076}"/>
               </a:ext>
             </a:extLst>
           </p:cNvPr>
@@ -4161,7 +4161,7 @@
               <p:cNvPr id="4" name="텍스트 개체 틀 3">
                 <a:extLst>
                   <a:ext uri="{FF2B5EF4-FFF2-40B4-BE49-F238E27FC236}">
-                    <a16:creationId xmlns:a16="http://schemas.microsoft.com/office/drawing/2014/main" id="{1911085F-DDB7-4CD9-9098-54140489C6AC}"/>
+                    <a16:creationId xmlns:a16="http://schemas.microsoft.com/office/drawing/2014/main" xmlns="" id="{1911085F-DDB7-4CD9-9098-54140489C6AC}"/>
                   </a:ext>
                 </a:extLst>
               </p:cNvPr>
@@ -19222,7 +19222,7 @@
           <p:cNvPr id="2" name="슬라이드 번호 개체 틀 1">
             <a:extLst>
               <a:ext uri="{FF2B5EF4-FFF2-40B4-BE49-F238E27FC236}">
-                <a16:creationId xmlns:a16="http://schemas.microsoft.com/office/drawing/2014/main" id="{0292C65B-3F90-4A5A-AE07-C1B96BB2CC0C}"/>
+                <a16:creationId xmlns:a16="http://schemas.microsoft.com/office/drawing/2014/main" xmlns="" id="{0292C65B-3F90-4A5A-AE07-C1B96BB2CC0C}"/>
               </a:ext>
             </a:extLst>
           </p:cNvPr>
@@ -19269,7 +19269,7 @@
           <p:cNvPr id="3" name="제목 2">
             <a:extLst>
               <a:ext uri="{FF2B5EF4-FFF2-40B4-BE49-F238E27FC236}">
-                <a16:creationId xmlns:a16="http://schemas.microsoft.com/office/drawing/2014/main" id="{133AFD30-FBBD-417D-A489-5DB13567ECD7}"/>
+                <a16:creationId xmlns:a16="http://schemas.microsoft.com/office/drawing/2014/main" xmlns="" id="{133AFD30-FBBD-417D-A489-5DB13567ECD7}"/>
               </a:ext>
             </a:extLst>
           </p:cNvPr>
@@ -19296,7 +19296,7 @@
               <p:cNvPr id="4" name="텍스트 개체 틀 3">
                 <a:extLst>
                   <a:ext uri="{FF2B5EF4-FFF2-40B4-BE49-F238E27FC236}">
-                    <a16:creationId xmlns:a16="http://schemas.microsoft.com/office/drawing/2014/main" id="{FC81BF3E-E005-470A-8B29-185BEC4771B3}"/>
+                    <a16:creationId xmlns:a16="http://schemas.microsoft.com/office/drawing/2014/main" xmlns="" id="{FC81BF3E-E005-470A-8B29-185BEC4771B3}"/>
                   </a:ext>
                 </a:extLst>
               </p:cNvPr>
@@ -20566,7 +20566,7 @@
           <p:cNvPr id="2" name="슬라이드 번호 개체 틀 1">
             <a:extLst>
               <a:ext uri="{FF2B5EF4-FFF2-40B4-BE49-F238E27FC236}">
-                <a16:creationId xmlns:a16="http://schemas.microsoft.com/office/drawing/2014/main" id="{DED8ECCA-4A7F-412F-BDEA-523250C9A398}"/>
+                <a16:creationId xmlns:a16="http://schemas.microsoft.com/office/drawing/2014/main" xmlns="" id="{DED8ECCA-4A7F-412F-BDEA-523250C9A398}"/>
               </a:ext>
             </a:extLst>
           </p:cNvPr>
@@ -20613,7 +20613,7 @@
           <p:cNvPr id="3" name="제목 2">
             <a:extLst>
               <a:ext uri="{FF2B5EF4-FFF2-40B4-BE49-F238E27FC236}">
-                <a16:creationId xmlns:a16="http://schemas.microsoft.com/office/drawing/2014/main" id="{82EEA06E-A4DF-43AF-98A7-42201A52FC1C}"/>
+                <a16:creationId xmlns:a16="http://schemas.microsoft.com/office/drawing/2014/main" xmlns="" id="{82EEA06E-A4DF-43AF-98A7-42201A52FC1C}"/>
               </a:ext>
             </a:extLst>
           </p:cNvPr>
@@ -20640,7 +20640,7 @@
               <p:cNvPr id="4" name="텍스트 개체 틀 3">
                 <a:extLst>
                   <a:ext uri="{FF2B5EF4-FFF2-40B4-BE49-F238E27FC236}">
-                    <a16:creationId xmlns:a16="http://schemas.microsoft.com/office/drawing/2014/main" id="{11292969-B1D0-41B0-8D60-FB5C675BD12B}"/>
+                    <a16:creationId xmlns:a16="http://schemas.microsoft.com/office/drawing/2014/main" xmlns="" id="{11292969-B1D0-41B0-8D60-FB5C675BD12B}"/>
                   </a:ext>
                 </a:extLst>
               </p:cNvPr>
@@ -22326,7 +22326,7 @@
           <p:cNvPr id="2" name="슬라이드 번호 개체 틀 1">
             <a:extLst>
               <a:ext uri="{FF2B5EF4-FFF2-40B4-BE49-F238E27FC236}">
-                <a16:creationId xmlns:a16="http://schemas.microsoft.com/office/drawing/2014/main" id="{60657C50-DF65-4FB0-BBCC-E307F6AFE2B7}"/>
+                <a16:creationId xmlns:a16="http://schemas.microsoft.com/office/drawing/2014/main" xmlns="" id="{60657C50-DF65-4FB0-BBCC-E307F6AFE2B7}"/>
               </a:ext>
             </a:extLst>
           </p:cNvPr>
@@ -22373,7 +22373,7 @@
           <p:cNvPr id="3" name="제목 2">
             <a:extLst>
               <a:ext uri="{FF2B5EF4-FFF2-40B4-BE49-F238E27FC236}">
-                <a16:creationId xmlns:a16="http://schemas.microsoft.com/office/drawing/2014/main" id="{0D227082-EF6B-4A01-B0A9-A241F127FD80}"/>
+                <a16:creationId xmlns:a16="http://schemas.microsoft.com/office/drawing/2014/main" xmlns="" id="{0D227082-EF6B-4A01-B0A9-A241F127FD80}"/>
               </a:ext>
             </a:extLst>
           </p:cNvPr>
@@ -22400,7 +22400,7 @@
               <p:cNvPr id="4" name="텍스트 개체 틀 3">
                 <a:extLst>
                   <a:ext uri="{FF2B5EF4-FFF2-40B4-BE49-F238E27FC236}">
-                    <a16:creationId xmlns:a16="http://schemas.microsoft.com/office/drawing/2014/main" id="{7A66FA55-66FB-4612-948F-6F62B84B9D93}"/>
+                    <a16:creationId xmlns:a16="http://schemas.microsoft.com/office/drawing/2014/main" xmlns="" id="{7A66FA55-66FB-4612-948F-6F62B84B9D93}"/>
                   </a:ext>
                 </a:extLst>
               </p:cNvPr>
@@ -25348,7 +25348,7 @@
           <p:cNvPr id="2" name="슬라이드 번호 개체 틀 1">
             <a:extLst>
               <a:ext uri="{FF2B5EF4-FFF2-40B4-BE49-F238E27FC236}">
-                <a16:creationId xmlns:a16="http://schemas.microsoft.com/office/drawing/2014/main" id="{50D7F0BB-2D33-4B62-8AE9-695E23CEE849}"/>
+                <a16:creationId xmlns:a16="http://schemas.microsoft.com/office/drawing/2014/main" xmlns="" id="{50D7F0BB-2D33-4B62-8AE9-695E23CEE849}"/>
               </a:ext>
             </a:extLst>
           </p:cNvPr>
@@ -25395,7 +25395,7 @@
           <p:cNvPr id="3" name="제목 2">
             <a:extLst>
               <a:ext uri="{FF2B5EF4-FFF2-40B4-BE49-F238E27FC236}">
-                <a16:creationId xmlns:a16="http://schemas.microsoft.com/office/drawing/2014/main" id="{DAC05A8C-6FC9-4137-86FF-DD4921E6C38D}"/>
+                <a16:creationId xmlns:a16="http://schemas.microsoft.com/office/drawing/2014/main" xmlns="" id="{DAC05A8C-6FC9-4137-86FF-DD4921E6C38D}"/>
               </a:ext>
             </a:extLst>
           </p:cNvPr>
@@ -25415,14 +25415,14 @@
           </a:p>
         </p:txBody>
       </p:sp>
-      <mc:AlternateContent xmlns:mc="http://schemas.openxmlformats.org/markup-compatibility/2006">
-        <mc:Choice xmlns:a14="http://schemas.microsoft.com/office/drawing/2010/main" Requires="a14">
+      <mc:AlternateContent xmlns:mc="http://schemas.openxmlformats.org/markup-compatibility/2006" xmlns:a14="http://schemas.microsoft.com/office/drawing/2010/main">
+        <mc:Choice Requires="a14">
           <p:sp>
             <p:nvSpPr>
               <p:cNvPr id="4" name="텍스트 개체 틀 3">
                 <a:extLst>
                   <a:ext uri="{FF2B5EF4-FFF2-40B4-BE49-F238E27FC236}">
-                    <a16:creationId xmlns:a16="http://schemas.microsoft.com/office/drawing/2014/main" id="{26FC5B93-4D18-4CE6-8494-F2B6DEA0F3CE}"/>
+                    <a16:creationId xmlns:a16="http://schemas.microsoft.com/office/drawing/2014/main" xmlns="" id="{26FC5B93-4D18-4CE6-8494-F2B6DEA0F3CE}"/>
                   </a:ext>
                 </a:extLst>
               </p:cNvPr>
@@ -28207,7 +28207,7 @@
             </p:txBody>
           </p:sp>
         </mc:Choice>
-        <mc:Fallback>
+        <mc:Fallback xmlns="">
           <p:sp>
             <p:nvSpPr>
               <p:cNvPr id="4" name="텍스트 개체 틀 3">
@@ -28282,7 +28282,7 @@
           <p:cNvPr id="2" name="슬라이드 번호 개체 틀 1">
             <a:extLst>
               <a:ext uri="{FF2B5EF4-FFF2-40B4-BE49-F238E27FC236}">
-                <a16:creationId xmlns:a16="http://schemas.microsoft.com/office/drawing/2014/main" id="{DED96BE9-7BF9-4A5E-81C5-A9A25306AB1C}"/>
+                <a16:creationId xmlns:a16="http://schemas.microsoft.com/office/drawing/2014/main" xmlns="" id="{DED96BE9-7BF9-4A5E-81C5-A9A25306AB1C}"/>
               </a:ext>
             </a:extLst>
           </p:cNvPr>
@@ -28329,7 +28329,7 @@
           <p:cNvPr id="3" name="제목 2">
             <a:extLst>
               <a:ext uri="{FF2B5EF4-FFF2-40B4-BE49-F238E27FC236}">
-                <a16:creationId xmlns:a16="http://schemas.microsoft.com/office/drawing/2014/main" id="{A6AB9DB2-46DB-4EB4-8BF1-14050C468FCE}"/>
+                <a16:creationId xmlns:a16="http://schemas.microsoft.com/office/drawing/2014/main" xmlns="" id="{A6AB9DB2-46DB-4EB4-8BF1-14050C468FCE}"/>
               </a:ext>
             </a:extLst>
           </p:cNvPr>
@@ -28356,7 +28356,7 @@
               <p:cNvPr id="4" name="텍스트 개체 틀 3">
                 <a:extLst>
                   <a:ext uri="{FF2B5EF4-FFF2-40B4-BE49-F238E27FC236}">
-                    <a16:creationId xmlns:a16="http://schemas.microsoft.com/office/drawing/2014/main" id="{111A9ECC-1205-4DE4-BC12-3B73CD03FF75}"/>
+                    <a16:creationId xmlns:a16="http://schemas.microsoft.com/office/drawing/2014/main" xmlns="" id="{111A9ECC-1205-4DE4-BC12-3B73CD03FF75}"/>
                   </a:ext>
                 </a:extLst>
               </p:cNvPr>
